--- a/images/theory_analysis/JWT/JWT.pptx
+++ b/images/theory_analysis/JWT/JWT.pptx
@@ -4286,7 +4286,7 @@
         </p:nvSpPr>
         <p:spPr>
           <a:xfrm>
-            <a:off x="4382264" y="2935776"/>
+            <a:off x="4300376" y="2935776"/>
             <a:ext cx="1442806" cy="332998"/>
           </a:xfrm>
           <a:prstGeom prst="rect">

--- a/images/theory_analysis/JWT/JWT.pptx
+++ b/images/theory_analysis/JWT/JWT.pptx
@@ -215,7 +215,7 @@
           <a:p>
             <a:fld id="{6CD5550B-26C4-49A9-A5BA-636EF7BE6CE9}" type="datetimeFigureOut">
               <a:rPr lang="ko-KR" altLang="en-US" smtClean="0"/>
-              <a:t>2020-06-17</a:t>
+              <a:t>2020-06-18</a:t>
             </a:fld>
             <a:endParaRPr lang="ko-KR" altLang="en-US"/>
           </a:p>
@@ -745,7 +745,7 @@
           <a:p>
             <a:fld id="{FB30EDBD-1C2D-4C1E-B459-B60219FAB484}" type="datetimeFigureOut">
               <a:rPr lang="ko-KR" altLang="en-US" smtClean="0"/>
-              <a:t>2020-06-17</a:t>
+              <a:t>2020-06-18</a:t>
             </a:fld>
             <a:endParaRPr lang="ko-KR" altLang="en-US"/>
           </a:p>
@@ -908,7 +908,7 @@
           <a:p>
             <a:fld id="{FB30EDBD-1C2D-4C1E-B459-B60219FAB484}" type="datetimeFigureOut">
               <a:rPr lang="ko-KR" altLang="en-US" smtClean="0"/>
-              <a:t>2020-06-17</a:t>
+              <a:t>2020-06-18</a:t>
             </a:fld>
             <a:endParaRPr lang="ko-KR" altLang="en-US"/>
           </a:p>
@@ -1081,7 +1081,7 @@
           <a:p>
             <a:fld id="{FB30EDBD-1C2D-4C1E-B459-B60219FAB484}" type="datetimeFigureOut">
               <a:rPr lang="ko-KR" altLang="en-US" smtClean="0"/>
-              <a:t>2020-06-17</a:t>
+              <a:t>2020-06-18</a:t>
             </a:fld>
             <a:endParaRPr lang="ko-KR" altLang="en-US"/>
           </a:p>
@@ -1244,7 +1244,7 @@
           <a:p>
             <a:fld id="{FB30EDBD-1C2D-4C1E-B459-B60219FAB484}" type="datetimeFigureOut">
               <a:rPr lang="ko-KR" altLang="en-US" smtClean="0"/>
-              <a:t>2020-06-17</a:t>
+              <a:t>2020-06-18</a:t>
             </a:fld>
             <a:endParaRPr lang="ko-KR" altLang="en-US"/>
           </a:p>
@@ -1484,7 +1484,7 @@
           <a:p>
             <a:fld id="{FB30EDBD-1C2D-4C1E-B459-B60219FAB484}" type="datetimeFigureOut">
               <a:rPr lang="ko-KR" altLang="en-US" smtClean="0"/>
-              <a:t>2020-06-17</a:t>
+              <a:t>2020-06-18</a:t>
             </a:fld>
             <a:endParaRPr lang="ko-KR" altLang="en-US"/>
           </a:p>
@@ -1764,7 +1764,7 @@
           <a:p>
             <a:fld id="{FB30EDBD-1C2D-4C1E-B459-B60219FAB484}" type="datetimeFigureOut">
               <a:rPr lang="ko-KR" altLang="en-US" smtClean="0"/>
-              <a:t>2020-06-17</a:t>
+              <a:t>2020-06-18</a:t>
             </a:fld>
             <a:endParaRPr lang="ko-KR" altLang="en-US"/>
           </a:p>
@@ -2178,7 +2178,7 @@
           <a:p>
             <a:fld id="{FB30EDBD-1C2D-4C1E-B459-B60219FAB484}" type="datetimeFigureOut">
               <a:rPr lang="ko-KR" altLang="en-US" smtClean="0"/>
-              <a:t>2020-06-17</a:t>
+              <a:t>2020-06-18</a:t>
             </a:fld>
             <a:endParaRPr lang="ko-KR" altLang="en-US"/>
           </a:p>
@@ -2290,7 +2290,7 @@
           <a:p>
             <a:fld id="{FB30EDBD-1C2D-4C1E-B459-B60219FAB484}" type="datetimeFigureOut">
               <a:rPr lang="ko-KR" altLang="en-US" smtClean="0"/>
-              <a:t>2020-06-17</a:t>
+              <a:t>2020-06-18</a:t>
             </a:fld>
             <a:endParaRPr lang="ko-KR" altLang="en-US"/>
           </a:p>
@@ -2380,7 +2380,7 @@
           <a:p>
             <a:fld id="{FB30EDBD-1C2D-4C1E-B459-B60219FAB484}" type="datetimeFigureOut">
               <a:rPr lang="ko-KR" altLang="en-US" smtClean="0"/>
-              <a:t>2020-06-17</a:t>
+              <a:t>2020-06-18</a:t>
             </a:fld>
             <a:endParaRPr lang="ko-KR" altLang="en-US"/>
           </a:p>
@@ -2650,7 +2650,7 @@
           <a:p>
             <a:fld id="{FB30EDBD-1C2D-4C1E-B459-B60219FAB484}" type="datetimeFigureOut">
               <a:rPr lang="ko-KR" altLang="en-US" smtClean="0"/>
-              <a:t>2020-06-17</a:t>
+              <a:t>2020-06-18</a:t>
             </a:fld>
             <a:endParaRPr lang="ko-KR" altLang="en-US"/>
           </a:p>
@@ -2897,7 +2897,7 @@
           <a:p>
             <a:fld id="{FB30EDBD-1C2D-4C1E-B459-B60219FAB484}" type="datetimeFigureOut">
               <a:rPr lang="ko-KR" altLang="en-US" smtClean="0"/>
-              <a:t>2020-06-17</a:t>
+              <a:t>2020-06-18</a:t>
             </a:fld>
             <a:endParaRPr lang="ko-KR" altLang="en-US"/>
           </a:p>
@@ -3103,7 +3103,7 @@
           <a:p>
             <a:fld id="{FB30EDBD-1C2D-4C1E-B459-B60219FAB484}" type="datetimeFigureOut">
               <a:rPr lang="ko-KR" altLang="en-US" smtClean="0"/>
-              <a:t>2020-06-17</a:t>
+              <a:t>2020-06-18</a:t>
             </a:fld>
             <a:endParaRPr lang="ko-KR" altLang="en-US"/>
           </a:p>
@@ -3755,7 +3755,7 @@
                   </a:schemeClr>
                 </a:solidFill>
               </a:rPr>
-              <a:t>8ChjIw5Y2GX7LuKM6bezNa-86hQhawfR9s0Hwf26DVk</a:t>
+              <a:t>jqpifHrdtOMvkXGoZn3DHOMMXxqnKk9z_wPjHM_u8mg</a:t>
             </a:r>
             <a:endParaRPr lang="ko-KR" altLang="en-US" sz="1200">
               <a:solidFill>
